--- a/Spambase analysis.pptx
+++ b/Spambase analysis.pptx
@@ -10,6 +10,11 @@
     <p:sldId id="258" r:id="rId4"/>
     <p:sldId id="259" r:id="rId5"/>
     <p:sldId id="260" r:id="rId6"/>
+    <p:sldId id="261" r:id="rId7"/>
+    <p:sldId id="262" r:id="rId8"/>
+    <p:sldId id="263" r:id="rId9"/>
+    <p:sldId id="264" r:id="rId10"/>
+    <p:sldId id="265" r:id="rId11"/>
   </p:sldIdLst>
   <p:sldSz cx="12192000" cy="6858000"/>
   <p:notesSz cx="6858000" cy="9144000"/>
@@ -108,6 +113,11 @@
       </a:defRPr>
     </a:lvl9pPr>
   </p:defaultTextStyle>
+  <p:extLst>
+    <p:ext uri="{EFAFB233-063F-42B5-8137-9DF3F51BA10A}">
+      <p15:sldGuideLst xmlns:p15="http://schemas.microsoft.com/office/powerpoint/2012/main"/>
+    </p:ext>
+  </p:extLst>
 </p:presentation>
 </file>
 
@@ -258,7 +268,7 @@
           <a:p>
             <a:fld id="{C29376CD-23B5-48D2-9B8C-FCE936CEA653}" type="datetimeFigureOut">
               <a:rPr lang="fr-FR" smtClean="0"/>
-              <a:t>02/01/2021</a:t>
+              <a:t>10/01/2021</a:t>
             </a:fld>
             <a:endParaRPr lang="fr-FR"/>
           </a:p>
@@ -456,7 +466,7 @@
           <a:p>
             <a:fld id="{C29376CD-23B5-48D2-9B8C-FCE936CEA653}" type="datetimeFigureOut">
               <a:rPr lang="fr-FR" smtClean="0"/>
-              <a:t>02/01/2021</a:t>
+              <a:t>10/01/2021</a:t>
             </a:fld>
             <a:endParaRPr lang="fr-FR"/>
           </a:p>
@@ -664,7 +674,7 @@
           <a:p>
             <a:fld id="{C29376CD-23B5-48D2-9B8C-FCE936CEA653}" type="datetimeFigureOut">
               <a:rPr lang="fr-FR" smtClean="0"/>
-              <a:t>02/01/2021</a:t>
+              <a:t>10/01/2021</a:t>
             </a:fld>
             <a:endParaRPr lang="fr-FR"/>
           </a:p>
@@ -862,7 +872,7 @@
           <a:p>
             <a:fld id="{C29376CD-23B5-48D2-9B8C-FCE936CEA653}" type="datetimeFigureOut">
               <a:rPr lang="fr-FR" smtClean="0"/>
-              <a:t>02/01/2021</a:t>
+              <a:t>10/01/2021</a:t>
             </a:fld>
             <a:endParaRPr lang="fr-FR"/>
           </a:p>
@@ -1137,7 +1147,7 @@
           <a:p>
             <a:fld id="{C29376CD-23B5-48D2-9B8C-FCE936CEA653}" type="datetimeFigureOut">
               <a:rPr lang="fr-FR" smtClean="0"/>
-              <a:t>02/01/2021</a:t>
+              <a:t>10/01/2021</a:t>
             </a:fld>
             <a:endParaRPr lang="fr-FR"/>
           </a:p>
@@ -1402,7 +1412,7 @@
           <a:p>
             <a:fld id="{C29376CD-23B5-48D2-9B8C-FCE936CEA653}" type="datetimeFigureOut">
               <a:rPr lang="fr-FR" smtClean="0"/>
-              <a:t>02/01/2021</a:t>
+              <a:t>10/01/2021</a:t>
             </a:fld>
             <a:endParaRPr lang="fr-FR"/>
           </a:p>
@@ -1814,7 +1824,7 @@
           <a:p>
             <a:fld id="{C29376CD-23B5-48D2-9B8C-FCE936CEA653}" type="datetimeFigureOut">
               <a:rPr lang="fr-FR" smtClean="0"/>
-              <a:t>02/01/2021</a:t>
+              <a:t>10/01/2021</a:t>
             </a:fld>
             <a:endParaRPr lang="fr-FR"/>
           </a:p>
@@ -1955,7 +1965,7 @@
           <a:p>
             <a:fld id="{C29376CD-23B5-48D2-9B8C-FCE936CEA653}" type="datetimeFigureOut">
               <a:rPr lang="fr-FR" smtClean="0"/>
-              <a:t>02/01/2021</a:t>
+              <a:t>10/01/2021</a:t>
             </a:fld>
             <a:endParaRPr lang="fr-FR"/>
           </a:p>
@@ -2068,7 +2078,7 @@
           <a:p>
             <a:fld id="{C29376CD-23B5-48D2-9B8C-FCE936CEA653}" type="datetimeFigureOut">
               <a:rPr lang="fr-FR" smtClean="0"/>
-              <a:t>02/01/2021</a:t>
+              <a:t>10/01/2021</a:t>
             </a:fld>
             <a:endParaRPr lang="fr-FR"/>
           </a:p>
@@ -2379,7 +2389,7 @@
           <a:p>
             <a:fld id="{C29376CD-23B5-48D2-9B8C-FCE936CEA653}" type="datetimeFigureOut">
               <a:rPr lang="fr-FR" smtClean="0"/>
-              <a:t>02/01/2021</a:t>
+              <a:t>10/01/2021</a:t>
             </a:fld>
             <a:endParaRPr lang="fr-FR"/>
           </a:p>
@@ -2667,7 +2677,7 @@
           <a:p>
             <a:fld id="{C29376CD-23B5-48D2-9B8C-FCE936CEA653}" type="datetimeFigureOut">
               <a:rPr lang="fr-FR" smtClean="0"/>
-              <a:t>02/01/2021</a:t>
+              <a:t>10/01/2021</a:t>
             </a:fld>
             <a:endParaRPr lang="fr-FR"/>
           </a:p>
@@ -2908,7 +2918,7 @@
           <a:p>
             <a:fld id="{C29376CD-23B5-48D2-9B8C-FCE936CEA653}" type="datetimeFigureOut">
               <a:rPr lang="fr-FR" smtClean="0"/>
-              <a:t>02/01/2021</a:t>
+              <a:t>10/01/2021</a:t>
             </a:fld>
             <a:endParaRPr lang="fr-FR"/>
           </a:p>
@@ -3569,6 +3579,183 @@
 </p:sld>
 </file>
 
+<file path=ppt/slides/slide10.xml><?xml version="1.0" encoding="utf-8"?>
+<p:sld xmlns:a="http://schemas.openxmlformats.org/drawingml/2006/main" xmlns:r="http://schemas.openxmlformats.org/officeDocument/2006/relationships" xmlns:p="http://schemas.openxmlformats.org/presentationml/2006/main">
+  <p:cSld>
+    <p:spTree>
+      <p:nvGrpSpPr>
+        <p:cNvPr id="1" name=""/>
+        <p:cNvGrpSpPr/>
+        <p:nvPr/>
+      </p:nvGrpSpPr>
+      <p:grpSpPr>
+        <a:xfrm>
+          <a:off x="0" y="0"/>
+          <a:ext cx="0" cy="0"/>
+          <a:chOff x="0" y="0"/>
+          <a:chExt cx="0" cy="0"/>
+        </a:xfrm>
+      </p:grpSpPr>
+      <p:sp>
+        <p:nvSpPr>
+          <p:cNvPr id="2" name="Titre 1">
+            <a:extLst>
+              <a:ext uri="{FF2B5EF4-FFF2-40B4-BE49-F238E27FC236}">
+                <a16:creationId xmlns:a16="http://schemas.microsoft.com/office/drawing/2014/main" id="{08FF135E-2C18-45DC-AA1E-379F951FCACE}"/>
+              </a:ext>
+            </a:extLst>
+          </p:cNvPr>
+          <p:cNvSpPr>
+            <a:spLocks noGrp="1"/>
+          </p:cNvSpPr>
+          <p:nvPr>
+            <p:ph type="title"/>
+          </p:nvPr>
+        </p:nvSpPr>
+        <p:spPr/>
+        <p:txBody>
+          <a:bodyPr/>
+          <a:lstStyle/>
+          <a:p>
+            <a:r>
+              <a:rPr lang="fr-FR" dirty="0" err="1"/>
+              <a:t>Random</a:t>
+            </a:r>
+            <a:r>
+              <a:rPr lang="fr-FR" dirty="0"/>
+              <a:t> Forest </a:t>
+            </a:r>
+            <a:r>
+              <a:rPr lang="fr-FR" dirty="0" err="1"/>
+              <a:t>results</a:t>
+            </a:r>
+            <a:endParaRPr lang="en-GB" dirty="0"/>
+          </a:p>
+        </p:txBody>
+      </p:sp>
+      <p:sp>
+        <p:nvSpPr>
+          <p:cNvPr id="3" name="Espace réservé du contenu 2">
+            <a:extLst>
+              <a:ext uri="{FF2B5EF4-FFF2-40B4-BE49-F238E27FC236}">
+                <a16:creationId xmlns:a16="http://schemas.microsoft.com/office/drawing/2014/main" id="{D62FEB5D-94D6-4D04-8FB0-95454A3EEEEF}"/>
+              </a:ext>
+            </a:extLst>
+          </p:cNvPr>
+          <p:cNvSpPr>
+            <a:spLocks noGrp="1"/>
+          </p:cNvSpPr>
+          <p:nvPr>
+            <p:ph idx="1"/>
+          </p:nvPr>
+        </p:nvSpPr>
+        <p:spPr>
+          <a:xfrm>
+            <a:off x="838200" y="1825625"/>
+            <a:ext cx="4111305" cy="4351338"/>
+          </a:xfrm>
+        </p:spPr>
+        <p:txBody>
+          <a:bodyPr/>
+          <a:lstStyle/>
+          <a:p>
+            <a:r>
+              <a:rPr lang="fr-FR" dirty="0" err="1"/>
+              <a:t>Better</a:t>
+            </a:r>
+            <a:r>
+              <a:rPr lang="fr-FR" dirty="0"/>
+              <a:t> but </a:t>
+            </a:r>
+            <a:r>
+              <a:rPr lang="fr-FR" dirty="0" err="1"/>
+              <a:t>less</a:t>
+            </a:r>
+            <a:r>
+              <a:rPr lang="fr-FR" dirty="0"/>
+              <a:t> effective </a:t>
+            </a:r>
+            <a:r>
+              <a:rPr lang="fr-FR" dirty="0" err="1"/>
+              <a:t>result</a:t>
+            </a:r>
+            <a:r>
+              <a:rPr lang="fr-FR" dirty="0"/>
+              <a:t> </a:t>
+            </a:r>
+            <a:r>
+              <a:rPr lang="fr-FR" dirty="0" err="1"/>
+              <a:t>compared</a:t>
+            </a:r>
+            <a:r>
+              <a:rPr lang="fr-FR" dirty="0"/>
+              <a:t> to </a:t>
+            </a:r>
+            <a:r>
+              <a:rPr lang="fr-FR" dirty="0" err="1"/>
+              <a:t>logistic</a:t>
+            </a:r>
+            <a:r>
+              <a:rPr lang="fr-FR" dirty="0"/>
+              <a:t> </a:t>
+            </a:r>
+            <a:r>
+              <a:rPr lang="fr-FR" dirty="0" err="1"/>
+              <a:t>regression</a:t>
+            </a:r>
+            <a:endParaRPr lang="fr-FR" dirty="0"/>
+          </a:p>
+          <a:p>
+            <a:r>
+              <a:rPr lang="en-GB" dirty="0"/>
+              <a:t>95% Precision with only 40 false positives on our best model</a:t>
+            </a:r>
+          </a:p>
+        </p:txBody>
+      </p:sp>
+      <p:pic>
+        <p:nvPicPr>
+          <p:cNvPr id="4" name="Image 3">
+            <a:extLst>
+              <a:ext uri="{FF2B5EF4-FFF2-40B4-BE49-F238E27FC236}">
+                <a16:creationId xmlns:a16="http://schemas.microsoft.com/office/drawing/2014/main" id="{8757A0DC-38FB-48AB-A2E9-5033E6F2FFD7}"/>
+              </a:ext>
+            </a:extLst>
+          </p:cNvPr>
+          <p:cNvPicPr>
+            <a:picLocks noChangeAspect="1"/>
+          </p:cNvPicPr>
+          <p:nvPr/>
+        </p:nvPicPr>
+        <p:blipFill>
+          <a:blip r:embed="rId2"/>
+          <a:stretch>
+            <a:fillRect/>
+          </a:stretch>
+        </p:blipFill>
+        <p:spPr>
+          <a:xfrm>
+            <a:off x="5437056" y="1825625"/>
+            <a:ext cx="6139506" cy="4276595"/>
+          </a:xfrm>
+          <a:prstGeom prst="rect">
+            <a:avLst/>
+          </a:prstGeom>
+        </p:spPr>
+      </p:pic>
+    </p:spTree>
+    <p:extLst>
+      <p:ext uri="{BB962C8B-B14F-4D97-AF65-F5344CB8AC3E}">
+        <p14:creationId xmlns:p14="http://schemas.microsoft.com/office/powerpoint/2010/main" val="3756060524"/>
+      </p:ext>
+    </p:extLst>
+  </p:cSld>
+  <p:clrMapOvr>
+    <a:masterClrMapping/>
+  </p:clrMapOvr>
+</p:sld>
+</file>
+
 <file path=ppt/slides/slide2.xml><?xml version="1.0" encoding="utf-8"?>
 <p:sld xmlns:a="http://schemas.openxmlformats.org/drawingml/2006/main" xmlns:r="http://schemas.openxmlformats.org/officeDocument/2006/relationships" xmlns:p="http://schemas.openxmlformats.org/presentationml/2006/main">
   <p:cSld>
@@ -4457,7 +4644,10 @@
           <a:bodyPr/>
           <a:lstStyle/>
           <a:p>
-            <a:endParaRPr lang="fr-FR" dirty="0"/>
+            <a:r>
+              <a:rPr lang="fr-FR" dirty="0"/>
+              <a:t>Visualisation</a:t>
+            </a:r>
           </a:p>
         </p:txBody>
       </p:sp>
@@ -4477,7 +4667,12 @@
             <p:ph idx="1"/>
           </p:nvPr>
         </p:nvSpPr>
-        <p:spPr/>
+        <p:spPr>
+          <a:xfrm>
+            <a:off x="838200" y="1825625"/>
+            <a:ext cx="3239278" cy="4351338"/>
+          </a:xfrm>
+        </p:spPr>
         <p:txBody>
           <a:bodyPr/>
           <a:lstStyle/>
@@ -4485,6 +4680,46 @@
             <a:pPr marL="0" indent="0" algn="just">
               <a:buNone/>
             </a:pPr>
+            <a:r>
+              <a:rPr lang="fr-FR" dirty="0"/>
+              <a:t>Even if </a:t>
+            </a:r>
+            <a:r>
+              <a:rPr lang="fr-FR" dirty="0" err="1"/>
+              <a:t>we</a:t>
+            </a:r>
+            <a:r>
+              <a:rPr lang="fr-FR" dirty="0"/>
+              <a:t> have </a:t>
+            </a:r>
+            <a:r>
+              <a:rPr lang="fr-FR" dirty="0" err="1"/>
+              <a:t>only</a:t>
+            </a:r>
+            <a:r>
+              <a:rPr lang="fr-FR" dirty="0"/>
+              <a:t> 39,4% of Spam, </a:t>
+            </a:r>
+            <a:r>
+              <a:rPr lang="fr-FR" dirty="0" err="1"/>
+              <a:t>there</a:t>
+            </a:r>
+            <a:r>
+              <a:rPr lang="fr-FR" dirty="0"/>
+              <a:t> are </a:t>
+            </a:r>
+            <a:r>
+              <a:rPr lang="en-US" dirty="0"/>
+              <a:t>the ones standing out more on a </a:t>
+            </a:r>
+            <a:r>
+              <a:rPr lang="en-US" dirty="0" err="1"/>
+              <a:t>pairplot</a:t>
+            </a:r>
+            <a:r>
+              <a:rPr lang="en-US" dirty="0"/>
+              <a:t> with capitals attributes:</a:t>
+            </a:r>
             <a:endParaRPr lang="fr-FR" dirty="0"/>
           </a:p>
         </p:txBody>
@@ -4595,6 +4830,66 @@
           </a:p>
         </p:txBody>
       </p:sp>
+      <p:pic>
+        <p:nvPicPr>
+          <p:cNvPr id="4" name="Image 3">
+            <a:extLst>
+              <a:ext uri="{FF2B5EF4-FFF2-40B4-BE49-F238E27FC236}">
+                <a16:creationId xmlns:a16="http://schemas.microsoft.com/office/drawing/2014/main" id="{8E4E6E5B-CEA4-4787-A3E8-B705E8CED414}"/>
+              </a:ext>
+            </a:extLst>
+          </p:cNvPr>
+          <p:cNvPicPr>
+            <a:picLocks noChangeAspect="1"/>
+          </p:cNvPicPr>
+          <p:nvPr/>
+        </p:nvPicPr>
+        <p:blipFill>
+          <a:blip r:embed="rId3"/>
+          <a:stretch>
+            <a:fillRect/>
+          </a:stretch>
+        </p:blipFill>
+        <p:spPr>
+          <a:xfrm>
+            <a:off x="1687312" y="4308092"/>
+            <a:ext cx="1541053" cy="1604865"/>
+          </a:xfrm>
+          <a:prstGeom prst="rect">
+            <a:avLst/>
+          </a:prstGeom>
+        </p:spPr>
+      </p:pic>
+      <p:pic>
+        <p:nvPicPr>
+          <p:cNvPr id="8" name="Image 7">
+            <a:extLst>
+              <a:ext uri="{FF2B5EF4-FFF2-40B4-BE49-F238E27FC236}">
+                <a16:creationId xmlns:a16="http://schemas.microsoft.com/office/drawing/2014/main" id="{C20F3226-8918-479E-9767-2471BF7946AD}"/>
+              </a:ext>
+            </a:extLst>
+          </p:cNvPr>
+          <p:cNvPicPr>
+            <a:picLocks noChangeAspect="1"/>
+          </p:cNvPicPr>
+          <p:nvPr/>
+        </p:nvPicPr>
+        <p:blipFill>
+          <a:blip r:embed="rId4"/>
+          <a:stretch>
+            <a:fillRect/>
+          </a:stretch>
+        </p:blipFill>
+        <p:spPr>
+          <a:xfrm>
+            <a:off x="5641194" y="1690688"/>
+            <a:ext cx="4863494" cy="4352388"/>
+          </a:xfrm>
+          <a:prstGeom prst="rect">
+            <a:avLst/>
+          </a:prstGeom>
+        </p:spPr>
+      </p:pic>
     </p:spTree>
     <p:extLst>
       <p:ext uri="{BB962C8B-B14F-4D97-AF65-F5344CB8AC3E}">
@@ -4646,6 +4941,10 @@
           <a:bodyPr/>
           <a:lstStyle/>
           <a:p>
+            <a:r>
+              <a:rPr lang="fr-FR" dirty="0" err="1"/>
+              <a:t>Models</a:t>
+            </a:r>
             <a:endParaRPr lang="fr-FR" dirty="0"/>
           </a:p>
         </p:txBody>
@@ -4671,10 +4970,215 @@
           <a:bodyPr/>
           <a:lstStyle/>
           <a:p>
+            <a:pPr algn="just"/>
+            <a:r>
+              <a:rPr lang="fr-FR" dirty="0" err="1"/>
+              <a:t>We</a:t>
+            </a:r>
+            <a:r>
+              <a:rPr lang="fr-FR" dirty="0"/>
+              <a:t> </a:t>
+            </a:r>
+            <a:r>
+              <a:rPr lang="fr-FR" dirty="0" err="1"/>
+              <a:t>wanted</a:t>
+            </a:r>
+            <a:r>
+              <a:rPr lang="fr-FR" dirty="0"/>
+              <a:t> to </a:t>
+            </a:r>
+            <a:r>
+              <a:rPr lang="fr-FR" dirty="0" err="1"/>
+              <a:t>try</a:t>
+            </a:r>
+            <a:r>
+              <a:rPr lang="fr-FR" dirty="0"/>
+              <a:t> a simple model first, and </a:t>
+            </a:r>
+            <a:r>
+              <a:rPr lang="fr-FR" dirty="0" err="1"/>
+              <a:t>then</a:t>
+            </a:r>
+            <a:r>
+              <a:rPr lang="fr-FR" dirty="0"/>
+              <a:t> </a:t>
+            </a:r>
+            <a:r>
+              <a:rPr lang="fr-FR" dirty="0" err="1"/>
+              <a:t>moving</a:t>
+            </a:r>
+            <a:r>
+              <a:rPr lang="fr-FR" dirty="0"/>
+              <a:t> to more </a:t>
+            </a:r>
+            <a:r>
+              <a:rPr lang="fr-FR" dirty="0" err="1"/>
+              <a:t>sophisticated</a:t>
+            </a:r>
+            <a:r>
+              <a:rPr lang="fr-FR" dirty="0"/>
+              <a:t> </a:t>
+            </a:r>
+            <a:r>
+              <a:rPr lang="fr-FR" dirty="0" err="1"/>
+              <a:t>ones</a:t>
+            </a:r>
+            <a:r>
+              <a:rPr lang="fr-FR" dirty="0"/>
+              <a:t>.</a:t>
+            </a:r>
+          </a:p>
+          <a:p>
+            <a:pPr algn="just"/>
+            <a:r>
+              <a:rPr lang="fr-FR" dirty="0" err="1"/>
+              <a:t>Each</a:t>
+            </a:r>
+            <a:r>
+              <a:rPr lang="fr-FR" dirty="0"/>
+              <a:t> time </a:t>
+            </a:r>
+            <a:r>
+              <a:rPr lang="fr-FR" dirty="0" err="1"/>
+              <a:t>we</a:t>
+            </a:r>
+            <a:r>
+              <a:rPr lang="fr-FR" dirty="0"/>
+              <a:t> </a:t>
+            </a:r>
+            <a:r>
+              <a:rPr lang="fr-FR" dirty="0" err="1"/>
+              <a:t>will</a:t>
+            </a:r>
+            <a:r>
+              <a:rPr lang="fr-FR" dirty="0"/>
+              <a:t> </a:t>
+            </a:r>
+            <a:r>
+              <a:rPr lang="fr-FR" dirty="0" err="1"/>
+              <a:t>try</a:t>
+            </a:r>
+            <a:r>
+              <a:rPr lang="fr-FR" dirty="0"/>
+              <a:t> </a:t>
+            </a:r>
+            <a:r>
+              <a:rPr lang="fr-FR" dirty="0" err="1"/>
+              <a:t>with</a:t>
+            </a:r>
+            <a:r>
+              <a:rPr lang="fr-FR" dirty="0"/>
+              <a:t> basics </a:t>
+            </a:r>
+            <a:r>
+              <a:rPr lang="fr-FR" dirty="0" err="1"/>
+              <a:t>parameters</a:t>
+            </a:r>
+            <a:r>
+              <a:rPr lang="fr-FR" dirty="0"/>
+              <a:t> and </a:t>
+            </a:r>
+            <a:r>
+              <a:rPr lang="fr-FR" dirty="0" err="1"/>
+              <a:t>apply</a:t>
+            </a:r>
+            <a:r>
+              <a:rPr lang="fr-FR" dirty="0"/>
+              <a:t> </a:t>
+            </a:r>
+            <a:r>
+              <a:rPr lang="fr-FR" dirty="0" err="1"/>
+              <a:t>after</a:t>
+            </a:r>
+            <a:r>
+              <a:rPr lang="fr-FR" dirty="0"/>
+              <a:t> </a:t>
+            </a:r>
+            <a:r>
+              <a:rPr lang="fr-FR" dirty="0" err="1"/>
+              <a:t>differents</a:t>
+            </a:r>
+            <a:r>
+              <a:rPr lang="fr-FR" dirty="0"/>
+              <a:t> values and use a </a:t>
+            </a:r>
+            <a:r>
+              <a:rPr lang="fr-FR" dirty="0" err="1"/>
+              <a:t>RandomizedSearchCV</a:t>
+            </a:r>
+            <a:r>
+              <a:rPr lang="fr-FR" dirty="0"/>
+              <a:t> to </a:t>
+            </a:r>
+            <a:r>
+              <a:rPr lang="fr-FR" dirty="0" err="1"/>
+              <a:t>find</a:t>
+            </a:r>
+            <a:r>
+              <a:rPr lang="fr-FR" dirty="0"/>
+              <a:t> the best </a:t>
+            </a:r>
+            <a:r>
+              <a:rPr lang="fr-FR" dirty="0" err="1"/>
+              <a:t>hyperparameters</a:t>
+            </a:r>
+            <a:r>
+              <a:rPr lang="fr-FR" dirty="0"/>
+              <a:t> of </a:t>
+            </a:r>
+            <a:r>
+              <a:rPr lang="fr-FR" dirty="0" err="1"/>
+              <a:t>our</a:t>
+            </a:r>
+            <a:r>
+              <a:rPr lang="fr-FR" dirty="0"/>
+              <a:t> model</a:t>
+            </a:r>
+          </a:p>
+          <a:p>
+            <a:pPr algn="just"/>
+            <a:r>
+              <a:rPr lang="fr-FR" dirty="0" err="1"/>
+              <a:t>Analyzing</a:t>
+            </a:r>
+            <a:r>
+              <a:rPr lang="fr-FR" dirty="0"/>
+              <a:t> </a:t>
+            </a:r>
+            <a:r>
+              <a:rPr lang="fr-FR" dirty="0" err="1"/>
+              <a:t>results</a:t>
+            </a:r>
+            <a:r>
+              <a:rPr lang="fr-FR" dirty="0"/>
+              <a:t> </a:t>
+            </a:r>
+            <a:r>
+              <a:rPr lang="fr-FR" dirty="0" err="1"/>
+              <a:t>with</a:t>
+            </a:r>
+            <a:r>
+              <a:rPr lang="fr-FR" dirty="0"/>
+              <a:t> classification reports</a:t>
+            </a:r>
+          </a:p>
+          <a:p>
+            <a:pPr algn="just"/>
+            <a:endParaRPr lang="fr-FR" dirty="0"/>
+          </a:p>
+          <a:p>
             <a:pPr marL="0" indent="0" algn="just">
               <a:buNone/>
             </a:pPr>
-            <a:endParaRPr lang="fr-FR" dirty="0"/>
+            <a:r>
+              <a:rPr lang="fr-FR" b="1" dirty="0"/>
+              <a:t>OBJECTIVE: </a:t>
+            </a:r>
+            <a:r>
+              <a:rPr lang="en-US" dirty="0"/>
+              <a:t>Minimize false positives, since the priority is to have less mails as possible predicted as spam when they had real information.</a:t>
+            </a:r>
+            <a:endParaRPr lang="fr-FR" b="1" dirty="0"/>
           </a:p>
         </p:txBody>
       </p:sp>
@@ -4788,6 +5292,1217 @@
     <p:extLst>
       <p:ext uri="{BB962C8B-B14F-4D97-AF65-F5344CB8AC3E}">
         <p14:creationId xmlns:p14="http://schemas.microsoft.com/office/powerpoint/2010/main" val="3985611880"/>
+      </p:ext>
+    </p:extLst>
+  </p:cSld>
+  <p:clrMapOvr>
+    <a:masterClrMapping/>
+  </p:clrMapOvr>
+</p:sld>
+</file>
+
+<file path=ppt/slides/slide6.xml><?xml version="1.0" encoding="utf-8"?>
+<p:sld xmlns:a="http://schemas.openxmlformats.org/drawingml/2006/main" xmlns:r="http://schemas.openxmlformats.org/officeDocument/2006/relationships" xmlns:p="http://schemas.openxmlformats.org/presentationml/2006/main">
+  <p:cSld>
+    <p:spTree>
+      <p:nvGrpSpPr>
+        <p:cNvPr id="1" name=""/>
+        <p:cNvGrpSpPr/>
+        <p:nvPr/>
+      </p:nvGrpSpPr>
+      <p:grpSpPr>
+        <a:xfrm>
+          <a:off x="0" y="0"/>
+          <a:ext cx="0" cy="0"/>
+          <a:chOff x="0" y="0"/>
+          <a:chExt cx="0" cy="0"/>
+        </a:xfrm>
+      </p:grpSpPr>
+      <p:sp>
+        <p:nvSpPr>
+          <p:cNvPr id="2" name="Titre 1">
+            <a:extLst>
+              <a:ext uri="{FF2B5EF4-FFF2-40B4-BE49-F238E27FC236}">
+                <a16:creationId xmlns:a16="http://schemas.microsoft.com/office/drawing/2014/main" id="{5BB11254-BBDA-4F75-8423-AC458E2991E2}"/>
+              </a:ext>
+            </a:extLst>
+          </p:cNvPr>
+          <p:cNvSpPr>
+            <a:spLocks noGrp="1"/>
+          </p:cNvSpPr>
+          <p:nvPr>
+            <p:ph type="title"/>
+          </p:nvPr>
+        </p:nvSpPr>
+        <p:spPr/>
+        <p:txBody>
+          <a:bodyPr/>
+          <a:lstStyle/>
+          <a:p>
+            <a:r>
+              <a:rPr lang="fr-FR" dirty="0" err="1"/>
+              <a:t>Why</a:t>
+            </a:r>
+            <a:r>
+              <a:rPr lang="fr-FR" dirty="0"/>
+              <a:t> </a:t>
+            </a:r>
+            <a:r>
+              <a:rPr lang="fr-FR" dirty="0" err="1"/>
+              <a:t>Logistic</a:t>
+            </a:r>
+            <a:r>
+              <a:rPr lang="fr-FR" dirty="0"/>
+              <a:t> </a:t>
+            </a:r>
+            <a:r>
+              <a:rPr lang="fr-FR" dirty="0" err="1"/>
+              <a:t>Regression</a:t>
+            </a:r>
+            <a:r>
+              <a:rPr lang="fr-FR" dirty="0"/>
+              <a:t> ?</a:t>
+            </a:r>
+          </a:p>
+        </p:txBody>
+      </p:sp>
+      <p:sp>
+        <p:nvSpPr>
+          <p:cNvPr id="3" name="Espace réservé du contenu 2">
+            <a:extLst>
+              <a:ext uri="{FF2B5EF4-FFF2-40B4-BE49-F238E27FC236}">
+                <a16:creationId xmlns:a16="http://schemas.microsoft.com/office/drawing/2014/main" id="{5174C061-B02A-4AE6-AEAB-84990FF7E788}"/>
+              </a:ext>
+            </a:extLst>
+          </p:cNvPr>
+          <p:cNvSpPr>
+            <a:spLocks noGrp="1"/>
+          </p:cNvSpPr>
+          <p:nvPr>
+            <p:ph idx="1"/>
+          </p:nvPr>
+        </p:nvSpPr>
+        <p:spPr/>
+        <p:txBody>
+          <a:bodyPr/>
+          <a:lstStyle/>
+          <a:p>
+            <a:r>
+              <a:rPr lang="fr-FR" dirty="0"/>
+              <a:t>Our </a:t>
+            </a:r>
+            <a:r>
+              <a:rPr lang="fr-FR" dirty="0" err="1"/>
+              <a:t>dependent</a:t>
+            </a:r>
+            <a:r>
+              <a:rPr lang="fr-FR" dirty="0"/>
+              <a:t> </a:t>
+            </a:r>
+            <a:r>
+              <a:rPr lang="fr-FR" dirty="0" err="1"/>
+              <a:t>varaible</a:t>
+            </a:r>
+            <a:r>
+              <a:rPr lang="fr-FR" dirty="0"/>
+              <a:t> </a:t>
+            </a:r>
+            <a:r>
+              <a:rPr lang="fr-FR" dirty="0" err="1"/>
+              <a:t>is</a:t>
+            </a:r>
+            <a:r>
+              <a:rPr lang="fr-FR" dirty="0"/>
+              <a:t> </a:t>
+            </a:r>
+            <a:r>
+              <a:rPr lang="fr-FR" dirty="0" err="1"/>
+              <a:t>binary</a:t>
+            </a:r>
+            <a:r>
+              <a:rPr lang="fr-FR" dirty="0"/>
+              <a:t> (spam or not spam)</a:t>
+            </a:r>
+          </a:p>
+          <a:p>
+            <a:pPr marL="0" indent="0">
+              <a:buNone/>
+            </a:pPr>
+            <a:endParaRPr lang="fr-FR" dirty="0"/>
+          </a:p>
+          <a:p>
+            <a:r>
+              <a:rPr lang="fr-FR" dirty="0"/>
+              <a:t>Fast and effective classification model</a:t>
+            </a:r>
+          </a:p>
+          <a:p>
+            <a:endParaRPr lang="fr-FR" dirty="0"/>
+          </a:p>
+          <a:p>
+            <a:r>
+              <a:rPr lang="fr-FR" dirty="0"/>
+              <a:t>Simple but can </a:t>
+            </a:r>
+            <a:r>
+              <a:rPr lang="fr-FR" dirty="0" err="1"/>
+              <a:t>be</a:t>
+            </a:r>
+            <a:r>
+              <a:rPr lang="fr-FR" dirty="0"/>
+              <a:t> </a:t>
+            </a:r>
+            <a:r>
+              <a:rPr lang="fr-FR" dirty="0" err="1"/>
+              <a:t>very</a:t>
+            </a:r>
+            <a:r>
+              <a:rPr lang="fr-FR" dirty="0"/>
+              <a:t> </a:t>
+            </a:r>
+            <a:r>
+              <a:rPr lang="fr-FR" dirty="0" err="1"/>
+              <a:t>precise</a:t>
+            </a:r>
+            <a:r>
+              <a:rPr lang="fr-FR" dirty="0"/>
+              <a:t> if </a:t>
+            </a:r>
+            <a:r>
+              <a:rPr lang="fr-FR" dirty="0" err="1"/>
+              <a:t>our</a:t>
+            </a:r>
+            <a:r>
+              <a:rPr lang="fr-FR" dirty="0"/>
+              <a:t> values have </a:t>
+            </a:r>
+            <a:r>
+              <a:rPr lang="fr-FR" dirty="0" err="1"/>
+              <a:t>little</a:t>
+            </a:r>
+            <a:r>
+              <a:rPr lang="fr-FR" dirty="0"/>
+              <a:t> </a:t>
+            </a:r>
+            <a:r>
+              <a:rPr lang="fr-FR" dirty="0" err="1"/>
+              <a:t>multicollinearity</a:t>
+            </a:r>
+            <a:r>
+              <a:rPr lang="fr-FR" dirty="0"/>
+              <a:t> </a:t>
+            </a:r>
+            <a:r>
+              <a:rPr lang="fr-FR" dirty="0" err="1"/>
+              <a:t>which</a:t>
+            </a:r>
+            <a:r>
+              <a:rPr lang="fr-FR" dirty="0"/>
+              <a:t> can </a:t>
+            </a:r>
+            <a:r>
+              <a:rPr lang="fr-FR" dirty="0" err="1"/>
+              <a:t>be</a:t>
+            </a:r>
+            <a:r>
+              <a:rPr lang="fr-FR" dirty="0"/>
+              <a:t> the case </a:t>
+            </a:r>
+            <a:r>
+              <a:rPr lang="fr-FR" dirty="0" err="1"/>
+              <a:t>with</a:t>
+            </a:r>
+            <a:r>
+              <a:rPr lang="fr-FR" dirty="0"/>
+              <a:t> all </a:t>
+            </a:r>
+            <a:r>
+              <a:rPr lang="fr-FR" dirty="0" err="1"/>
+              <a:t>our</a:t>
+            </a:r>
+            <a:r>
+              <a:rPr lang="fr-FR" dirty="0"/>
+              <a:t> </a:t>
+            </a:r>
+            <a:r>
+              <a:rPr lang="fr-FR" dirty="0" err="1"/>
+              <a:t>words</a:t>
+            </a:r>
+            <a:r>
+              <a:rPr lang="fr-FR" dirty="0"/>
+              <a:t> </a:t>
+            </a:r>
+            <a:r>
+              <a:rPr lang="fr-FR" dirty="0" err="1"/>
+              <a:t>frequencies</a:t>
+            </a:r>
+            <a:r>
+              <a:rPr lang="fr-FR" dirty="0"/>
+              <a:t> </a:t>
+            </a:r>
+            <a:r>
+              <a:rPr lang="fr-FR" dirty="0" err="1"/>
+              <a:t>attributes</a:t>
+            </a:r>
+            <a:r>
+              <a:rPr lang="fr-FR" dirty="0"/>
+              <a:t> </a:t>
+            </a:r>
+          </a:p>
+        </p:txBody>
+      </p:sp>
+    </p:spTree>
+    <p:extLst>
+      <p:ext uri="{BB962C8B-B14F-4D97-AF65-F5344CB8AC3E}">
+        <p14:creationId xmlns:p14="http://schemas.microsoft.com/office/powerpoint/2010/main" val="3723530479"/>
+      </p:ext>
+    </p:extLst>
+  </p:cSld>
+  <p:clrMapOvr>
+    <a:masterClrMapping/>
+  </p:clrMapOvr>
+</p:sld>
+</file>
+
+<file path=ppt/slides/slide7.xml><?xml version="1.0" encoding="utf-8"?>
+<p:sld xmlns:a="http://schemas.openxmlformats.org/drawingml/2006/main" xmlns:r="http://schemas.openxmlformats.org/officeDocument/2006/relationships" xmlns:p="http://schemas.openxmlformats.org/presentationml/2006/main">
+  <p:cSld>
+    <p:bg>
+      <p:bgPr>
+        <a:solidFill>
+          <a:schemeClr val="bg1"/>
+        </a:solidFill>
+        <a:effectLst/>
+      </p:bgPr>
+    </p:bg>
+    <p:spTree>
+      <p:nvGrpSpPr>
+        <p:cNvPr id="1" name=""/>
+        <p:cNvGrpSpPr/>
+        <p:nvPr/>
+      </p:nvGrpSpPr>
+      <p:grpSpPr>
+        <a:xfrm>
+          <a:off x="0" y="0"/>
+          <a:ext cx="0" cy="0"/>
+          <a:chOff x="0" y="0"/>
+          <a:chExt cx="0" cy="0"/>
+        </a:xfrm>
+      </p:grpSpPr>
+      <p:sp useBgFill="1">
+        <p:nvSpPr>
+          <p:cNvPr id="9" name="Rectangle 8">
+            <a:extLst>
+              <a:ext uri="{FF2B5EF4-FFF2-40B4-BE49-F238E27FC236}">
+                <a16:creationId xmlns:a16="http://schemas.microsoft.com/office/drawing/2014/main" id="{9427AF5F-9A0E-42B7-A252-FD64C9885F9C}"/>
+              </a:ext>
+              <a:ext uri="{C183D7F6-B498-43B3-948B-1728B52AA6E4}">
+                <adec:decorative xmlns:adec="http://schemas.microsoft.com/office/drawing/2017/decorative" val="1"/>
+              </a:ext>
+            </a:extLst>
+          </p:cNvPr>
+          <p:cNvSpPr>
+            <a:spLocks noGrp="1" noRot="1" noChangeAspect="1" noMove="1" noResize="1" noEditPoints="1" noAdjustHandles="1" noChangeArrowheads="1" noChangeShapeType="1" noTextEdit="1"/>
+          </p:cNvSpPr>
+          <p:nvPr>
+            <p:extLst>
+              <p:ext uri="{386F3935-93C4-4BCD-93E2-E3B085C9AB24}">
+                <p16:designElem xmlns:p16="http://schemas.microsoft.com/office/powerpoint/2015/main" val="1"/>
+              </p:ext>
+            </p:extLst>
+          </p:nvPr>
+        </p:nvSpPr>
+        <p:spPr>
+          <a:xfrm>
+            <a:off x="-1" y="0"/>
+            <a:ext cx="12188952" cy="6858000"/>
+          </a:xfrm>
+          <a:prstGeom prst="rect">
+            <a:avLst/>
+          </a:prstGeom>
+          <a:ln>
+            <a:noFill/>
+          </a:ln>
+        </p:spPr>
+        <p:style>
+          <a:lnRef idx="2">
+            <a:schemeClr val="accent1">
+              <a:shade val="50000"/>
+            </a:schemeClr>
+          </a:lnRef>
+          <a:fillRef idx="1">
+            <a:schemeClr val="accent1"/>
+          </a:fillRef>
+          <a:effectRef idx="0">
+            <a:schemeClr val="accent1"/>
+          </a:effectRef>
+          <a:fontRef idx="minor">
+            <a:schemeClr val="lt1"/>
+          </a:fontRef>
+        </p:style>
+        <p:txBody>
+          <a:bodyPr rtlCol="0" anchor="ctr"/>
+          <a:lstStyle/>
+          <a:p>
+            <a:pPr algn="ctr"/>
+            <a:endParaRPr lang="en-US"/>
+          </a:p>
+        </p:txBody>
+      </p:sp>
+      <p:sp>
+        <p:nvSpPr>
+          <p:cNvPr id="2" name="Titre 1">
+            <a:extLst>
+              <a:ext uri="{FF2B5EF4-FFF2-40B4-BE49-F238E27FC236}">
+                <a16:creationId xmlns:a16="http://schemas.microsoft.com/office/drawing/2014/main" id="{2E01221C-FCC4-4DF0-9DA7-515403636ECA}"/>
+              </a:ext>
+            </a:extLst>
+          </p:cNvPr>
+          <p:cNvSpPr>
+            <a:spLocks noGrp="1"/>
+          </p:cNvSpPr>
+          <p:nvPr>
+            <p:ph type="title"/>
+          </p:nvPr>
+        </p:nvSpPr>
+        <p:spPr>
+          <a:xfrm>
+            <a:off x="838200" y="365125"/>
+            <a:ext cx="10515600" cy="1306443"/>
+          </a:xfrm>
+        </p:spPr>
+        <p:txBody>
+          <a:bodyPr>
+            <a:normAutofit/>
+          </a:bodyPr>
+          <a:lstStyle/>
+          <a:p>
+            <a:r>
+              <a:rPr lang="fr-FR" sz="4000"/>
+              <a:t>Logistic Regression results</a:t>
+            </a:r>
+          </a:p>
+        </p:txBody>
+      </p:sp>
+      <p:sp>
+        <p:nvSpPr>
+          <p:cNvPr id="3" name="Espace réservé du contenu 2">
+            <a:extLst>
+              <a:ext uri="{FF2B5EF4-FFF2-40B4-BE49-F238E27FC236}">
+                <a16:creationId xmlns:a16="http://schemas.microsoft.com/office/drawing/2014/main" id="{93AFD59F-664B-4323-A46D-158FABB146A8}"/>
+              </a:ext>
+            </a:extLst>
+          </p:cNvPr>
+          <p:cNvSpPr>
+            <a:spLocks noGrp="1"/>
+          </p:cNvSpPr>
+          <p:nvPr>
+            <p:ph idx="1"/>
+          </p:nvPr>
+        </p:nvSpPr>
+        <p:spPr>
+          <a:xfrm>
+            <a:off x="838200" y="1825625"/>
+            <a:ext cx="4152774" cy="4303464"/>
+          </a:xfrm>
+        </p:spPr>
+        <p:txBody>
+          <a:bodyPr>
+            <a:normAutofit/>
+          </a:bodyPr>
+          <a:lstStyle/>
+          <a:p>
+            <a:r>
+              <a:rPr lang="fr-FR" sz="2000" dirty="0" err="1"/>
+              <a:t>Surprisingly</a:t>
+            </a:r>
+            <a:r>
+              <a:rPr lang="fr-FR" sz="2000" dirty="0"/>
+              <a:t> high: 91% </a:t>
+            </a:r>
+            <a:r>
+              <a:rPr lang="fr-FR" sz="2000" dirty="0" err="1"/>
+              <a:t>with</a:t>
+            </a:r>
+            <a:r>
+              <a:rPr lang="fr-FR" sz="2000" dirty="0"/>
+              <a:t> </a:t>
+            </a:r>
+            <a:r>
+              <a:rPr lang="fr-FR" sz="2000" dirty="0" err="1"/>
+              <a:t>any</a:t>
+            </a:r>
+            <a:r>
+              <a:rPr lang="fr-FR" sz="2000" dirty="0"/>
+              <a:t> </a:t>
+            </a:r>
+            <a:r>
+              <a:rPr lang="fr-FR" sz="2000" dirty="0" err="1"/>
+              <a:t>parameter</a:t>
+            </a:r>
+            <a:r>
+              <a:rPr lang="fr-FR" sz="2000" dirty="0"/>
+              <a:t> </a:t>
+            </a:r>
+            <a:r>
+              <a:rPr lang="fr-FR" sz="2000" dirty="0" err="1"/>
+              <a:t>changed</a:t>
+            </a:r>
+            <a:endParaRPr lang="fr-FR" sz="2000" dirty="0"/>
+          </a:p>
+          <a:p>
+            <a:r>
+              <a:rPr lang="fr-FR" sz="2000" dirty="0"/>
+              <a:t>92% </a:t>
+            </a:r>
+            <a:r>
+              <a:rPr lang="fr-FR" sz="2000" dirty="0" err="1"/>
+              <a:t>precision</a:t>
+            </a:r>
+            <a:r>
+              <a:rPr lang="fr-FR" sz="2000" dirty="0"/>
+              <a:t> </a:t>
+            </a:r>
+            <a:r>
+              <a:rPr lang="fr-FR" sz="2000" dirty="0" err="1"/>
+              <a:t>with</a:t>
+            </a:r>
+            <a:r>
+              <a:rPr lang="fr-FR" sz="2000" dirty="0"/>
+              <a:t> </a:t>
+            </a:r>
+            <a:r>
+              <a:rPr lang="fr-FR" sz="2000" dirty="0" err="1"/>
+              <a:t>our</a:t>
+            </a:r>
+            <a:r>
+              <a:rPr lang="fr-FR" sz="2000" dirty="0"/>
+              <a:t> best </a:t>
+            </a:r>
+            <a:r>
+              <a:rPr lang="fr-FR" sz="2000" dirty="0" err="1"/>
+              <a:t>parameters</a:t>
+            </a:r>
+            <a:r>
+              <a:rPr lang="fr-FR" sz="2000" dirty="0"/>
+              <a:t>, </a:t>
+            </a:r>
+            <a:r>
+              <a:rPr lang="fr-FR" sz="2000" dirty="0" err="1"/>
+              <a:t>with</a:t>
+            </a:r>
+            <a:r>
+              <a:rPr lang="fr-FR" sz="2000" dirty="0"/>
+              <a:t> </a:t>
+            </a:r>
+            <a:r>
+              <a:rPr lang="fr-FR" sz="2000" dirty="0" err="1"/>
+              <a:t>only</a:t>
+            </a:r>
+            <a:r>
+              <a:rPr lang="fr-FR" sz="2000" dirty="0"/>
+              <a:t> 47 false positives.</a:t>
+            </a:r>
+          </a:p>
+        </p:txBody>
+      </p:sp>
+      <p:pic>
+        <p:nvPicPr>
+          <p:cNvPr id="4" name="Image 3">
+            <a:extLst>
+              <a:ext uri="{FF2B5EF4-FFF2-40B4-BE49-F238E27FC236}">
+                <a16:creationId xmlns:a16="http://schemas.microsoft.com/office/drawing/2014/main" id="{7586EC9D-99FD-460F-9398-7A0B70C78791}"/>
+              </a:ext>
+            </a:extLst>
+          </p:cNvPr>
+          <p:cNvPicPr>
+            <a:picLocks noChangeAspect="1"/>
+          </p:cNvPicPr>
+          <p:nvPr/>
+        </p:nvPicPr>
+        <p:blipFill rotWithShape="1">
+          <a:blip r:embed="rId2"/>
+          <a:srcRect t="1508" r="-1" b="-1"/>
+          <a:stretch/>
+        </p:blipFill>
+        <p:spPr>
+          <a:xfrm>
+            <a:off x="5183500" y="1904282"/>
+            <a:ext cx="6170299" cy="4224808"/>
+          </a:xfrm>
+          <a:prstGeom prst="rect">
+            <a:avLst/>
+          </a:prstGeom>
+        </p:spPr>
+      </p:pic>
+    </p:spTree>
+    <p:extLst>
+      <p:ext uri="{BB962C8B-B14F-4D97-AF65-F5344CB8AC3E}">
+        <p14:creationId xmlns:p14="http://schemas.microsoft.com/office/powerpoint/2010/main" val="2512886042"/>
+      </p:ext>
+    </p:extLst>
+  </p:cSld>
+  <p:clrMapOvr>
+    <a:masterClrMapping/>
+  </p:clrMapOvr>
+</p:sld>
+</file>
+
+<file path=ppt/slides/slide8.xml><?xml version="1.0" encoding="utf-8"?>
+<p:sld xmlns:a="http://schemas.openxmlformats.org/drawingml/2006/main" xmlns:r="http://schemas.openxmlformats.org/officeDocument/2006/relationships" xmlns:p="http://schemas.openxmlformats.org/presentationml/2006/main">
+  <p:cSld>
+    <p:spTree>
+      <p:nvGrpSpPr>
+        <p:cNvPr id="1" name=""/>
+        <p:cNvGrpSpPr/>
+        <p:nvPr/>
+      </p:nvGrpSpPr>
+      <p:grpSpPr>
+        <a:xfrm>
+          <a:off x="0" y="0"/>
+          <a:ext cx="0" cy="0"/>
+          <a:chOff x="0" y="0"/>
+          <a:chExt cx="0" cy="0"/>
+        </a:xfrm>
+      </p:grpSpPr>
+      <p:sp>
+        <p:nvSpPr>
+          <p:cNvPr id="2" name="Titre 1">
+            <a:extLst>
+              <a:ext uri="{FF2B5EF4-FFF2-40B4-BE49-F238E27FC236}">
+                <a16:creationId xmlns:a16="http://schemas.microsoft.com/office/drawing/2014/main" id="{5BB11254-BBDA-4F75-8423-AC458E2991E2}"/>
+              </a:ext>
+            </a:extLst>
+          </p:cNvPr>
+          <p:cNvSpPr>
+            <a:spLocks noGrp="1"/>
+          </p:cNvSpPr>
+          <p:nvPr>
+            <p:ph type="title"/>
+          </p:nvPr>
+        </p:nvSpPr>
+        <p:spPr/>
+        <p:txBody>
+          <a:bodyPr/>
+          <a:lstStyle/>
+          <a:p>
+            <a:r>
+              <a:rPr lang="fr-FR" dirty="0" err="1"/>
+              <a:t>Why</a:t>
+            </a:r>
+            <a:r>
+              <a:rPr lang="fr-FR" dirty="0"/>
+              <a:t> </a:t>
+            </a:r>
+            <a:r>
+              <a:rPr lang="fr-FR" dirty="0" err="1"/>
+              <a:t>Random</a:t>
+            </a:r>
+            <a:r>
+              <a:rPr lang="fr-FR" dirty="0"/>
+              <a:t> Forest?</a:t>
+            </a:r>
+          </a:p>
+        </p:txBody>
+      </p:sp>
+      <p:sp>
+        <p:nvSpPr>
+          <p:cNvPr id="3" name="Espace réservé du contenu 2">
+            <a:extLst>
+              <a:ext uri="{FF2B5EF4-FFF2-40B4-BE49-F238E27FC236}">
+                <a16:creationId xmlns:a16="http://schemas.microsoft.com/office/drawing/2014/main" id="{5174C061-B02A-4AE6-AEAB-84990FF7E788}"/>
+              </a:ext>
+            </a:extLst>
+          </p:cNvPr>
+          <p:cNvSpPr>
+            <a:spLocks noGrp="1"/>
+          </p:cNvSpPr>
+          <p:nvPr>
+            <p:ph idx="1"/>
+          </p:nvPr>
+        </p:nvSpPr>
+        <p:spPr/>
+        <p:txBody>
+          <a:bodyPr/>
+          <a:lstStyle/>
+          <a:p>
+            <a:r>
+              <a:rPr lang="en-US" dirty="0"/>
+              <a:t>Tree-based methods are simple and useful for interpretation</a:t>
+            </a:r>
+          </a:p>
+          <a:p>
+            <a:endParaRPr lang="fr-FR" dirty="0"/>
+          </a:p>
+          <a:p>
+            <a:r>
+              <a:rPr lang="fr-FR" dirty="0" err="1"/>
+              <a:t>See</a:t>
+            </a:r>
+            <a:r>
+              <a:rPr lang="fr-FR" dirty="0"/>
+              <a:t> how </a:t>
+            </a:r>
+            <a:r>
+              <a:rPr lang="fr-FR" dirty="0" err="1"/>
+              <a:t>our</a:t>
+            </a:r>
+            <a:r>
+              <a:rPr lang="fr-FR" dirty="0"/>
+              <a:t> </a:t>
+            </a:r>
+            <a:r>
+              <a:rPr lang="fr-FR" dirty="0" err="1"/>
+              <a:t>results</a:t>
+            </a:r>
+            <a:r>
+              <a:rPr lang="fr-FR" dirty="0"/>
+              <a:t> </a:t>
+            </a:r>
+            <a:r>
+              <a:rPr lang="fr-FR" dirty="0" err="1"/>
+              <a:t>evovle</a:t>
+            </a:r>
+            <a:r>
+              <a:rPr lang="fr-FR" dirty="0"/>
+              <a:t> </a:t>
+            </a:r>
+            <a:r>
+              <a:rPr lang="fr-FR" dirty="0" err="1"/>
+              <a:t>with</a:t>
+            </a:r>
+            <a:r>
+              <a:rPr lang="fr-FR" dirty="0"/>
+              <a:t> the </a:t>
+            </a:r>
+            <a:r>
+              <a:rPr lang="fr-FR" dirty="0" err="1"/>
+              <a:t>number</a:t>
+            </a:r>
+            <a:r>
+              <a:rPr lang="fr-FR" dirty="0"/>
+              <a:t> of </a:t>
+            </a:r>
+            <a:r>
+              <a:rPr lang="fr-FR" dirty="0" err="1"/>
+              <a:t>trees</a:t>
+            </a:r>
+            <a:endParaRPr lang="fr-FR" dirty="0"/>
+          </a:p>
+          <a:p>
+            <a:endParaRPr lang="fr-FR" dirty="0"/>
+          </a:p>
+          <a:p>
+            <a:r>
+              <a:rPr lang="fr-FR" dirty="0"/>
+              <a:t>Can </a:t>
+            </a:r>
+            <a:r>
+              <a:rPr lang="fr-FR" dirty="0" err="1"/>
+              <a:t>be</a:t>
+            </a:r>
+            <a:r>
+              <a:rPr lang="fr-FR" dirty="0"/>
+              <a:t> </a:t>
+            </a:r>
+            <a:r>
+              <a:rPr lang="fr-FR" dirty="0" err="1"/>
+              <a:t>very</a:t>
+            </a:r>
+            <a:r>
+              <a:rPr lang="fr-FR" dirty="0"/>
+              <a:t> powerful </a:t>
+            </a:r>
+            <a:r>
+              <a:rPr lang="fr-FR" dirty="0" err="1"/>
+              <a:t>with</a:t>
+            </a:r>
+            <a:r>
+              <a:rPr lang="fr-FR" dirty="0"/>
+              <a:t> </a:t>
+            </a:r>
+            <a:r>
+              <a:rPr lang="fr-FR" dirty="0" err="1"/>
+              <a:t>datasets</a:t>
+            </a:r>
+            <a:r>
+              <a:rPr lang="fr-FR" dirty="0"/>
+              <a:t> </a:t>
+            </a:r>
+            <a:r>
+              <a:rPr lang="fr-FR" dirty="0" err="1"/>
+              <a:t>with</a:t>
+            </a:r>
+            <a:r>
+              <a:rPr lang="fr-FR" dirty="0"/>
+              <a:t> non-</a:t>
+            </a:r>
+            <a:r>
+              <a:rPr lang="fr-FR" dirty="0" err="1"/>
+              <a:t>linear</a:t>
+            </a:r>
+            <a:r>
+              <a:rPr lang="fr-FR" dirty="0"/>
+              <a:t> trend</a:t>
+            </a:r>
+          </a:p>
+        </p:txBody>
+      </p:sp>
+    </p:spTree>
+    <p:extLst>
+      <p:ext uri="{BB962C8B-B14F-4D97-AF65-F5344CB8AC3E}">
+        <p14:creationId xmlns:p14="http://schemas.microsoft.com/office/powerpoint/2010/main" val="3955859655"/>
+      </p:ext>
+    </p:extLst>
+  </p:cSld>
+  <p:clrMapOvr>
+    <a:masterClrMapping/>
+  </p:clrMapOvr>
+</p:sld>
+</file>
+
+<file path=ppt/slides/slide9.xml><?xml version="1.0" encoding="utf-8"?>
+<p:sld xmlns:a="http://schemas.openxmlformats.org/drawingml/2006/main" xmlns:r="http://schemas.openxmlformats.org/officeDocument/2006/relationships" xmlns:p="http://schemas.openxmlformats.org/presentationml/2006/main">
+  <p:cSld>
+    <p:spTree>
+      <p:nvGrpSpPr>
+        <p:cNvPr id="1" name=""/>
+        <p:cNvGrpSpPr/>
+        <p:nvPr/>
+      </p:nvGrpSpPr>
+      <p:grpSpPr>
+        <a:xfrm>
+          <a:off x="0" y="0"/>
+          <a:ext cx="0" cy="0"/>
+          <a:chOff x="0" y="0"/>
+          <a:chExt cx="0" cy="0"/>
+        </a:xfrm>
+      </p:grpSpPr>
+      <p:sp>
+        <p:nvSpPr>
+          <p:cNvPr id="2" name="Titre 1">
+            <a:extLst>
+              <a:ext uri="{FF2B5EF4-FFF2-40B4-BE49-F238E27FC236}">
+                <a16:creationId xmlns:a16="http://schemas.microsoft.com/office/drawing/2014/main" id="{3E57B1F6-6AA1-4A4A-8CB3-1F15509FA24A}"/>
+              </a:ext>
+            </a:extLst>
+          </p:cNvPr>
+          <p:cNvSpPr>
+            <a:spLocks noGrp="1"/>
+          </p:cNvSpPr>
+          <p:nvPr>
+            <p:ph type="title"/>
+          </p:nvPr>
+        </p:nvSpPr>
+        <p:spPr/>
+        <p:txBody>
+          <a:bodyPr/>
+          <a:lstStyle/>
+          <a:p>
+            <a:r>
+              <a:rPr lang="fr-FR" dirty="0" err="1"/>
+              <a:t>Random</a:t>
+            </a:r>
+            <a:r>
+              <a:rPr lang="fr-FR" dirty="0"/>
+              <a:t> Forest Visualisation</a:t>
+            </a:r>
+            <a:endParaRPr lang="en-GB" dirty="0"/>
+          </a:p>
+        </p:txBody>
+      </p:sp>
+      <p:sp>
+        <p:nvSpPr>
+          <p:cNvPr id="3" name="Espace réservé du contenu 2">
+            <a:extLst>
+              <a:ext uri="{FF2B5EF4-FFF2-40B4-BE49-F238E27FC236}">
+                <a16:creationId xmlns:a16="http://schemas.microsoft.com/office/drawing/2014/main" id="{4DA61BF1-263A-490D-B356-096B8F8553F3}"/>
+              </a:ext>
+            </a:extLst>
+          </p:cNvPr>
+          <p:cNvSpPr>
+            <a:spLocks noGrp="1"/>
+          </p:cNvSpPr>
+          <p:nvPr>
+            <p:ph idx="1"/>
+          </p:nvPr>
+        </p:nvSpPr>
+        <p:spPr/>
+        <p:txBody>
+          <a:bodyPr/>
+          <a:lstStyle/>
+          <a:p>
+            <a:r>
+              <a:rPr lang="fr-FR" dirty="0"/>
+              <a:t>To </a:t>
+            </a:r>
+            <a:r>
+              <a:rPr lang="fr-FR" dirty="0" err="1"/>
+              <a:t>avoid</a:t>
+            </a:r>
+            <a:r>
+              <a:rPr lang="fr-FR" dirty="0"/>
+              <a:t> </a:t>
+            </a:r>
+            <a:r>
+              <a:rPr lang="fr-FR" dirty="0" err="1"/>
+              <a:t>overfitting</a:t>
+            </a:r>
+            <a:r>
+              <a:rPr lang="fr-FR" dirty="0"/>
+              <a:t>, </a:t>
+            </a:r>
+            <a:r>
+              <a:rPr lang="fr-FR" dirty="0" err="1"/>
+              <a:t>we</a:t>
+            </a:r>
+            <a:r>
+              <a:rPr lang="fr-FR" dirty="0"/>
+              <a:t> </a:t>
+            </a:r>
+            <a:r>
+              <a:rPr lang="fr-FR" dirty="0" err="1"/>
+              <a:t>want</a:t>
+            </a:r>
+            <a:r>
+              <a:rPr lang="fr-FR" dirty="0"/>
+              <a:t> to know </a:t>
+            </a:r>
+            <a:r>
+              <a:rPr lang="fr-FR" dirty="0" err="1"/>
+              <a:t>what</a:t>
+            </a:r>
+            <a:r>
+              <a:rPr lang="fr-FR" dirty="0"/>
+              <a:t> </a:t>
+            </a:r>
+            <a:r>
+              <a:rPr lang="fr-FR" dirty="0" err="1"/>
+              <a:t>is</a:t>
+            </a:r>
+            <a:r>
+              <a:rPr lang="fr-FR" dirty="0"/>
+              <a:t> the </a:t>
+            </a:r>
+            <a:r>
+              <a:rPr lang="fr-FR" dirty="0" err="1"/>
+              <a:t>perfect</a:t>
+            </a:r>
+            <a:r>
+              <a:rPr lang="fr-FR" dirty="0"/>
+              <a:t> </a:t>
+            </a:r>
+            <a:r>
+              <a:rPr lang="fr-FR" dirty="0" err="1"/>
+              <a:t>number</a:t>
+            </a:r>
+            <a:r>
+              <a:rPr lang="fr-FR" dirty="0"/>
+              <a:t> of </a:t>
+            </a:r>
+            <a:r>
+              <a:rPr lang="fr-FR" dirty="0" err="1"/>
+              <a:t>trees</a:t>
+            </a:r>
+            <a:r>
+              <a:rPr lang="fr-FR" dirty="0"/>
+              <a:t>, for </a:t>
+            </a:r>
+            <a:r>
+              <a:rPr lang="fr-FR" dirty="0" err="1"/>
+              <a:t>that</a:t>
+            </a:r>
+            <a:r>
+              <a:rPr lang="fr-FR" dirty="0"/>
+              <a:t> </a:t>
+            </a:r>
+            <a:r>
+              <a:rPr lang="fr-FR" dirty="0" err="1"/>
+              <a:t>we</a:t>
+            </a:r>
+            <a:r>
+              <a:rPr lang="fr-FR" dirty="0"/>
+              <a:t> </a:t>
+            </a:r>
+            <a:r>
+              <a:rPr lang="fr-FR" dirty="0" err="1"/>
+              <a:t>will</a:t>
+            </a:r>
+            <a:r>
+              <a:rPr lang="fr-FR" dirty="0"/>
+              <a:t> fit 5 </a:t>
+            </a:r>
+            <a:r>
+              <a:rPr lang="fr-FR" dirty="0" err="1"/>
+              <a:t>Random</a:t>
+            </a:r>
+            <a:r>
+              <a:rPr lang="fr-FR" dirty="0"/>
+              <a:t> </a:t>
+            </a:r>
+            <a:r>
+              <a:rPr lang="fr-FR" dirty="0" err="1"/>
+              <a:t>Forests</a:t>
+            </a:r>
+            <a:r>
+              <a:rPr lang="fr-FR" dirty="0"/>
+              <a:t> to </a:t>
+            </a:r>
+            <a:r>
+              <a:rPr lang="fr-FR" dirty="0" err="1"/>
+              <a:t>see</a:t>
+            </a:r>
+            <a:r>
+              <a:rPr lang="fr-FR" dirty="0"/>
+              <a:t> how </a:t>
+            </a:r>
+            <a:r>
+              <a:rPr lang="fr-FR" dirty="0" err="1"/>
+              <a:t>their</a:t>
+            </a:r>
+            <a:r>
+              <a:rPr lang="fr-FR" dirty="0"/>
+              <a:t> </a:t>
+            </a:r>
+            <a:r>
+              <a:rPr lang="fr-FR" dirty="0" err="1"/>
+              <a:t>precision</a:t>
+            </a:r>
+            <a:r>
+              <a:rPr lang="fr-FR" dirty="0"/>
+              <a:t> change </a:t>
+            </a:r>
+            <a:r>
+              <a:rPr lang="fr-FR" dirty="0" err="1"/>
+              <a:t>with</a:t>
+            </a:r>
+            <a:r>
+              <a:rPr lang="fr-FR" dirty="0"/>
+              <a:t> the </a:t>
+            </a:r>
+            <a:r>
+              <a:rPr lang="fr-FR" dirty="0" err="1"/>
+              <a:t>number</a:t>
+            </a:r>
+            <a:r>
+              <a:rPr lang="fr-FR" dirty="0"/>
+              <a:t> of </a:t>
+            </a:r>
+            <a:r>
+              <a:rPr lang="fr-FR" dirty="0" err="1"/>
+              <a:t>trees</a:t>
+            </a:r>
+            <a:r>
+              <a:rPr lang="fr-FR" dirty="0"/>
+              <a:t>.</a:t>
+            </a:r>
+            <a:endParaRPr lang="en-GB" dirty="0"/>
+          </a:p>
+        </p:txBody>
+      </p:sp>
+      <p:pic>
+        <p:nvPicPr>
+          <p:cNvPr id="4" name="Image 3">
+            <a:extLst>
+              <a:ext uri="{FF2B5EF4-FFF2-40B4-BE49-F238E27FC236}">
+                <a16:creationId xmlns:a16="http://schemas.microsoft.com/office/drawing/2014/main" id="{B0A66414-F16A-4E92-B08E-D1780E0CFD2C}"/>
+              </a:ext>
+            </a:extLst>
+          </p:cNvPr>
+          <p:cNvPicPr>
+            <a:picLocks noChangeAspect="1"/>
+          </p:cNvPicPr>
+          <p:nvPr/>
+        </p:nvPicPr>
+        <p:blipFill>
+          <a:blip r:embed="rId2"/>
+          <a:stretch>
+            <a:fillRect/>
+          </a:stretch>
+        </p:blipFill>
+        <p:spPr>
+          <a:xfrm>
+            <a:off x="851245" y="3159018"/>
+            <a:ext cx="6831908" cy="3333857"/>
+          </a:xfrm>
+          <a:prstGeom prst="rect">
+            <a:avLst/>
+          </a:prstGeom>
+        </p:spPr>
+      </p:pic>
+      <p:sp>
+        <p:nvSpPr>
+          <p:cNvPr id="6" name="ZoneTexte 5">
+            <a:extLst>
+              <a:ext uri="{FF2B5EF4-FFF2-40B4-BE49-F238E27FC236}">
+                <a16:creationId xmlns:a16="http://schemas.microsoft.com/office/drawing/2014/main" id="{070FF48B-747E-4E54-9344-6A66A095F0EB}"/>
+              </a:ext>
+            </a:extLst>
+          </p:cNvPr>
+          <p:cNvSpPr txBox="1"/>
+          <p:nvPr/>
+        </p:nvSpPr>
+        <p:spPr>
+          <a:xfrm>
+            <a:off x="3402122" y="6329330"/>
+            <a:ext cx="1730154" cy="369332"/>
+          </a:xfrm>
+          <a:prstGeom prst="rect">
+            <a:avLst/>
+          </a:prstGeom>
+          <a:noFill/>
+        </p:spPr>
+        <p:txBody>
+          <a:bodyPr wrap="none" rtlCol="0">
+            <a:spAutoFit/>
+          </a:bodyPr>
+          <a:lstStyle/>
+          <a:p>
+            <a:r>
+              <a:rPr lang="fr-FR" dirty="0" err="1"/>
+              <a:t>Number</a:t>
+            </a:r>
+            <a:r>
+              <a:rPr lang="fr-FR" dirty="0"/>
+              <a:t> of </a:t>
+            </a:r>
+            <a:r>
+              <a:rPr lang="fr-FR" dirty="0" err="1"/>
+              <a:t>trees</a:t>
+            </a:r>
+            <a:endParaRPr lang="en-GB" dirty="0"/>
+          </a:p>
+        </p:txBody>
+      </p:sp>
+      <p:sp>
+        <p:nvSpPr>
+          <p:cNvPr id="7" name="ZoneTexte 6">
+            <a:extLst>
+              <a:ext uri="{FF2B5EF4-FFF2-40B4-BE49-F238E27FC236}">
+                <a16:creationId xmlns:a16="http://schemas.microsoft.com/office/drawing/2014/main" id="{849534BD-6E3B-4E4D-A508-AD0BB776EC1C}"/>
+              </a:ext>
+            </a:extLst>
+          </p:cNvPr>
+          <p:cNvSpPr txBox="1"/>
+          <p:nvPr/>
+        </p:nvSpPr>
+        <p:spPr>
+          <a:xfrm rot="16200000">
+            <a:off x="150156" y="4531632"/>
+            <a:ext cx="1032847" cy="369332"/>
+          </a:xfrm>
+          <a:prstGeom prst="rect">
+            <a:avLst/>
+          </a:prstGeom>
+          <a:noFill/>
+        </p:spPr>
+        <p:txBody>
+          <a:bodyPr wrap="none" rtlCol="0">
+            <a:spAutoFit/>
+          </a:bodyPr>
+          <a:lstStyle/>
+          <a:p>
+            <a:r>
+              <a:rPr lang="fr-FR" dirty="0" err="1"/>
+              <a:t>Precision</a:t>
+            </a:r>
+            <a:endParaRPr lang="en-GB" dirty="0"/>
+          </a:p>
+        </p:txBody>
+      </p:sp>
+      <p:sp>
+        <p:nvSpPr>
+          <p:cNvPr id="8" name="ZoneTexte 7">
+            <a:extLst>
+              <a:ext uri="{FF2B5EF4-FFF2-40B4-BE49-F238E27FC236}">
+                <a16:creationId xmlns:a16="http://schemas.microsoft.com/office/drawing/2014/main" id="{897D9756-D9AA-41D1-9007-C5368CFCB92E}"/>
+              </a:ext>
+            </a:extLst>
+          </p:cNvPr>
+          <p:cNvSpPr txBox="1"/>
+          <p:nvPr/>
+        </p:nvSpPr>
+        <p:spPr>
+          <a:xfrm>
+            <a:off x="8039440" y="4179674"/>
+            <a:ext cx="2696547" cy="923330"/>
+          </a:xfrm>
+          <a:prstGeom prst="rect">
+            <a:avLst/>
+          </a:prstGeom>
+          <a:noFill/>
+        </p:spPr>
+        <p:txBody>
+          <a:bodyPr wrap="square" rtlCol="0">
+            <a:spAutoFit/>
+          </a:bodyPr>
+          <a:lstStyle/>
+          <a:p>
+            <a:pPr algn="ctr"/>
+            <a:r>
+              <a:rPr lang="fr-FR" dirty="0" err="1"/>
+              <a:t>We</a:t>
+            </a:r>
+            <a:r>
+              <a:rPr lang="fr-FR" dirty="0"/>
+              <a:t> can </a:t>
+            </a:r>
+            <a:r>
+              <a:rPr lang="fr-FR" dirty="0" err="1"/>
+              <a:t>confirm</a:t>
+            </a:r>
+            <a:r>
+              <a:rPr lang="fr-FR" dirty="0"/>
+              <a:t> </a:t>
+            </a:r>
+            <a:r>
+              <a:rPr lang="fr-FR" dirty="0" err="1"/>
+              <a:t>that</a:t>
+            </a:r>
+            <a:r>
+              <a:rPr lang="fr-FR" dirty="0"/>
+              <a:t> </a:t>
+            </a:r>
+            <a:r>
+              <a:rPr lang="fr-FR" dirty="0" err="1"/>
+              <a:t>it</a:t>
+            </a:r>
+            <a:r>
+              <a:rPr lang="fr-FR" dirty="0"/>
+              <a:t> not </a:t>
+            </a:r>
+            <a:r>
+              <a:rPr lang="fr-FR" dirty="0" err="1"/>
+              <a:t>usefull</a:t>
+            </a:r>
+            <a:r>
+              <a:rPr lang="fr-FR" dirty="0"/>
+              <a:t> to do more </a:t>
+            </a:r>
+            <a:r>
+              <a:rPr lang="fr-FR" dirty="0" err="1"/>
+              <a:t>than</a:t>
+            </a:r>
+            <a:r>
+              <a:rPr lang="fr-FR" dirty="0"/>
+              <a:t> 30 </a:t>
+            </a:r>
+            <a:r>
+              <a:rPr lang="fr-FR" dirty="0" err="1"/>
+              <a:t>trees</a:t>
+            </a:r>
+            <a:r>
+              <a:rPr lang="fr-FR" dirty="0"/>
+              <a:t>.</a:t>
+            </a:r>
+            <a:endParaRPr lang="en-GB" dirty="0"/>
+          </a:p>
+        </p:txBody>
+      </p:sp>
+    </p:spTree>
+    <p:extLst>
+      <p:ext uri="{BB962C8B-B14F-4D97-AF65-F5344CB8AC3E}">
+        <p14:creationId xmlns:p14="http://schemas.microsoft.com/office/powerpoint/2010/main" val="3086786563"/>
       </p:ext>
     </p:extLst>
   </p:cSld>
